--- a/Intermediate Presentation.pptx
+++ b/Intermediate Presentation.pptx
@@ -154,7 +154,7 @@
   <pc:docChgLst>
     <pc:chgData name="Sabrina De Oliveira" userId="34420f5773a88cdb" providerId="LiveId" clId="{7D17E82B-CE46-49E5-A84E-E2FFE4F43B4F}"/>
     <pc:docChg chg="undo redo custSel mod addSld delSld modSld sldOrd">
-      <pc:chgData name="Sabrina De Oliveira" userId="34420f5773a88cdb" providerId="LiveId" clId="{7D17E82B-CE46-49E5-A84E-E2FFE4F43B4F}" dt="2020-06-05T14:07:28.540" v="12388" actId="478"/>
+      <pc:chgData name="Sabrina De Oliveira" userId="34420f5773a88cdb" providerId="LiveId" clId="{7D17E82B-CE46-49E5-A84E-E2FFE4F43B4F}" dt="2020-06-05T14:09:17.713" v="12393" actId="20577"/>
       <pc:docMkLst>
         <pc:docMk/>
       </pc:docMkLst>
@@ -791,7 +791,7 @@
         </pc:spChg>
       </pc:sldChg>
       <pc:sldChg chg="addSp delSp modSp add mod modClrScheme chgLayout modNotesTx">
-        <pc:chgData name="Sabrina De Oliveira" userId="34420f5773a88cdb" providerId="LiveId" clId="{7D17E82B-CE46-49E5-A84E-E2FFE4F43B4F}" dt="2020-06-05T14:02:39.775" v="12292" actId="478"/>
+        <pc:chgData name="Sabrina De Oliveira" userId="34420f5773a88cdb" providerId="LiveId" clId="{7D17E82B-CE46-49E5-A84E-E2FFE4F43B4F}" dt="2020-06-05T14:09:17.713" v="12393" actId="20577"/>
         <pc:sldMkLst>
           <pc:docMk/>
           <pc:sldMk cId="2241483681" sldId="264"/>
@@ -845,7 +845,7 @@
           </ac:spMkLst>
         </pc:spChg>
         <pc:spChg chg="add mod">
-          <ac:chgData name="Sabrina De Oliveira" userId="34420f5773a88cdb" providerId="LiveId" clId="{7D17E82B-CE46-49E5-A84E-E2FFE4F43B4F}" dt="2020-06-04T12:41:18.576" v="7986" actId="948"/>
+          <ac:chgData name="Sabrina De Oliveira" userId="34420f5773a88cdb" providerId="LiveId" clId="{7D17E82B-CE46-49E5-A84E-E2FFE4F43B4F}" dt="2020-06-05T14:09:17.713" v="12393" actId="20577"/>
           <ac:spMkLst>
             <pc:docMk/>
             <pc:sldMk cId="2241483681" sldId="264"/>
@@ -29282,7 +29282,7 @@
                   </a:schemeClr>
                 </a:solidFill>
               </a:rPr>
-              <a:t>None with proteins &amp; metabolites.</a:t>
+              <a:t>None with both proteins &amp; metabolites.</a:t>
             </a:r>
           </a:p>
           <a:p>

--- a/Intermediate Presentation.pptx
+++ b/Intermediate Presentation.pptx
@@ -144,7 +144,7 @@
 <file path=ppt/revisionInfo.xml><?xml version="1.0" encoding="utf-8"?>
 <p1510:revInfo xmlns:a="http://schemas.openxmlformats.org/drawingml/2006/main" xmlns:r="http://schemas.openxmlformats.org/officeDocument/2006/relationships" xmlns:p1510="http://schemas.microsoft.com/office/powerpoint/2015/10/main">
   <p1510:revLst>
-    <p1510:client id="{7D17E82B-CE46-49E5-A84E-E2FFE4F43B4F}" v="1031" dt="2020-06-05T14:07:05.263"/>
+    <p1510:client id="{7D17E82B-CE46-49E5-A84E-E2FFE4F43B4F}" v="1033" dt="2020-06-05T14:10:21.565"/>
   </p1510:revLst>
 </p1510:revInfo>
 </file>
@@ -154,7 +154,7 @@
   <pc:docChgLst>
     <pc:chgData name="Sabrina De Oliveira" userId="34420f5773a88cdb" providerId="LiveId" clId="{7D17E82B-CE46-49E5-A84E-E2FFE4F43B4F}"/>
     <pc:docChg chg="undo redo custSel mod addSld delSld modSld sldOrd">
-      <pc:chgData name="Sabrina De Oliveira" userId="34420f5773a88cdb" providerId="LiveId" clId="{7D17E82B-CE46-49E5-A84E-E2FFE4F43B4F}" dt="2020-06-05T14:09:17.713" v="12393" actId="20577"/>
+      <pc:chgData name="Sabrina De Oliveira" userId="34420f5773a88cdb" providerId="LiveId" clId="{7D17E82B-CE46-49E5-A84E-E2FFE4F43B4F}" dt="2020-06-05T14:11:55.176" v="12450" actId="20577"/>
       <pc:docMkLst>
         <pc:docMk/>
       </pc:docMkLst>
@@ -378,8 +378,8 @@
           </ac:spMkLst>
         </pc:spChg>
       </pc:sldChg>
-      <pc:sldChg chg="addSp delSp modSp add mod ord">
-        <pc:chgData name="Sabrina De Oliveira" userId="34420f5773a88cdb" providerId="LiveId" clId="{7D17E82B-CE46-49E5-A84E-E2FFE4F43B4F}" dt="2020-06-05T13:32:26.557" v="11685"/>
+      <pc:sldChg chg="addSp delSp modSp add mod ord modTransition">
+        <pc:chgData name="Sabrina De Oliveira" userId="34420f5773a88cdb" providerId="LiveId" clId="{7D17E82B-CE46-49E5-A84E-E2FFE4F43B4F}" dt="2020-06-05T14:10:17.971" v="12394"/>
         <pc:sldMkLst>
           <pc:docMk/>
           <pc:sldMk cId="869727526" sldId="260"/>
@@ -1729,13 +1729,13 @@
         </pc:picChg>
       </pc:sldChg>
       <pc:sldChg chg="addSp delSp modSp add mod">
-        <pc:chgData name="Sabrina De Oliveira" userId="34420f5773a88cdb" providerId="LiveId" clId="{7D17E82B-CE46-49E5-A84E-E2FFE4F43B4F}" dt="2020-06-05T14:07:05.263" v="12387" actId="20577"/>
+        <pc:chgData name="Sabrina De Oliveira" userId="34420f5773a88cdb" providerId="LiveId" clId="{7D17E82B-CE46-49E5-A84E-E2FFE4F43B4F}" dt="2020-06-05T14:11:55.176" v="12450" actId="20577"/>
         <pc:sldMkLst>
           <pc:docMk/>
           <pc:sldMk cId="1322306824" sldId="270"/>
         </pc:sldMkLst>
         <pc:spChg chg="mod">
-          <ac:chgData name="Sabrina De Oliveira" userId="34420f5773a88cdb" providerId="LiveId" clId="{7D17E82B-CE46-49E5-A84E-E2FFE4F43B4F}" dt="2020-06-05T13:52:55.988" v="12172" actId="20577"/>
+          <ac:chgData name="Sabrina De Oliveira" userId="34420f5773a88cdb" providerId="LiveId" clId="{7D17E82B-CE46-49E5-A84E-E2FFE4F43B4F}" dt="2020-06-05T14:11:55.176" v="12450" actId="20577"/>
           <ac:spMkLst>
             <pc:docMk/>
             <pc:sldMk cId="1322306824" sldId="270"/>
@@ -4537,8 +4537,8 @@
           </ac:picMkLst>
         </pc:picChg>
       </pc:sldChg>
-      <pc:sldChg chg="add ord">
-        <pc:chgData name="Sabrina De Oliveira" userId="34420f5773a88cdb" providerId="LiveId" clId="{7D17E82B-CE46-49E5-A84E-E2FFE4F43B4F}" dt="2020-06-05T13:32:36.524" v="11688"/>
+      <pc:sldChg chg="add ord modTransition">
+        <pc:chgData name="Sabrina De Oliveira" userId="34420f5773a88cdb" providerId="LiveId" clId="{7D17E82B-CE46-49E5-A84E-E2FFE4F43B4F}" dt="2020-06-05T14:10:21.565" v="12395"/>
         <pc:sldMkLst>
           <pc:docMk/>
           <pc:sldMk cId="1653653443" sldId="293"/>
@@ -21322,7 +21322,21 @@
             </a:pPr>
             <a:r>
               <a:rPr lang="en-GB" dirty="0"/>
-              <a:t>1. More in depth understanding of the analyses performed in part II.</a:t>
+              <a:t>1. </a:t>
+            </a:r>
+            <a:r>
+              <a:rPr lang="en-GB"/>
+              <a:t>Finalisation of part II. </a:t>
+            </a:r>
+            <a:endParaRPr lang="en-GB" dirty="0"/>
+          </a:p>
+          <a:p>
+            <a:pPr marL="0" indent="0">
+              <a:buNone/>
+            </a:pPr>
+            <a:r>
+              <a:rPr lang="en-GB" dirty="0"/>
+              <a:t>2. More in depth understanding of the analyses performed in part II.</a:t>
             </a:r>
           </a:p>
           <a:p>
@@ -21604,7 +21618,7 @@
 </file>
 
 <file path=ppt/slides/slide26.xml><?xml version="1.0" encoding="utf-8"?>
-<p:sld xmlns:a="http://schemas.openxmlformats.org/drawingml/2006/main" xmlns:r="http://schemas.openxmlformats.org/officeDocument/2006/relationships" xmlns:p="http://schemas.openxmlformats.org/presentationml/2006/main">
+<p:sld xmlns:a="http://schemas.openxmlformats.org/drawingml/2006/main" xmlns:r="http://schemas.openxmlformats.org/officeDocument/2006/relationships" xmlns:p="http://schemas.openxmlformats.org/presentationml/2006/main" show="0">
   <p:cSld>
     <p:spTree>
       <p:nvGrpSpPr>
@@ -21828,7 +21842,7 @@
 </file>
 
 <file path=ppt/slides/slide27.xml><?xml version="1.0" encoding="utf-8"?>
-<p:sld xmlns:a="http://schemas.openxmlformats.org/drawingml/2006/main" xmlns:r="http://schemas.openxmlformats.org/officeDocument/2006/relationships" xmlns:p="http://schemas.openxmlformats.org/presentationml/2006/main">
+<p:sld xmlns:a="http://schemas.openxmlformats.org/drawingml/2006/main" xmlns:r="http://schemas.openxmlformats.org/officeDocument/2006/relationships" xmlns:p="http://schemas.openxmlformats.org/presentationml/2006/main" show="0">
   <p:cSld>
     <p:spTree>
       <p:nvGrpSpPr>

--- a/Intermediate Presentation.pptx
+++ b/Intermediate Presentation.pptx
@@ -144,7 +144,7 @@
 <file path=ppt/revisionInfo.xml><?xml version="1.0" encoding="utf-8"?>
 <p1510:revInfo xmlns:a="http://schemas.openxmlformats.org/drawingml/2006/main" xmlns:r="http://schemas.openxmlformats.org/officeDocument/2006/relationships" xmlns:p1510="http://schemas.microsoft.com/office/powerpoint/2015/10/main">
   <p1510:revLst>
-    <p1510:client id="{7D17E82B-CE46-49E5-A84E-E2FFE4F43B4F}" v="1033" dt="2020-06-05T14:10:21.565"/>
+    <p1510:client id="{7D17E82B-CE46-49E5-A84E-E2FFE4F43B4F}" v="1039" dt="2020-06-06T14:52:35.205"/>
   </p1510:revLst>
 </p1510:revInfo>
 </file>
@@ -154,7 +154,7 @@
   <pc:docChgLst>
     <pc:chgData name="Sabrina De Oliveira" userId="34420f5773a88cdb" providerId="LiveId" clId="{7D17E82B-CE46-49E5-A84E-E2FFE4F43B4F}"/>
     <pc:docChg chg="undo redo custSel mod addSld delSld modSld sldOrd">
-      <pc:chgData name="Sabrina De Oliveira" userId="34420f5773a88cdb" providerId="LiveId" clId="{7D17E82B-CE46-49E5-A84E-E2FFE4F43B4F}" dt="2020-06-05T14:11:55.176" v="12450" actId="20577"/>
+      <pc:chgData name="Sabrina De Oliveira" userId="34420f5773a88cdb" providerId="LiveId" clId="{7D17E82B-CE46-49E5-A84E-E2FFE4F43B4F}" dt="2020-06-06T14:53:13.960" v="12558" actId="1076"/>
       <pc:docMkLst>
         <pc:docMk/>
       </pc:docMkLst>
@@ -442,13 +442,13 @@
         </pc:picChg>
       </pc:sldChg>
       <pc:sldChg chg="addSp delSp modSp add mod">
-        <pc:chgData name="Sabrina De Oliveira" userId="34420f5773a88cdb" providerId="LiveId" clId="{7D17E82B-CE46-49E5-A84E-E2FFE4F43B4F}" dt="2020-06-05T14:01:02.583" v="12268" actId="478"/>
+        <pc:chgData name="Sabrina De Oliveira" userId="34420f5773a88cdb" providerId="LiveId" clId="{7D17E82B-CE46-49E5-A84E-E2FFE4F43B4F}" dt="2020-06-06T13:03:54.624" v="12524" actId="166"/>
         <pc:sldMkLst>
           <pc:docMk/>
           <pc:sldMk cId="708108488" sldId="261"/>
         </pc:sldMkLst>
         <pc:spChg chg="add mod ord">
-          <ac:chgData name="Sabrina De Oliveira" userId="34420f5773a88cdb" providerId="LiveId" clId="{7D17E82B-CE46-49E5-A84E-E2FFE4F43B4F}" dt="2020-06-05T13:27:46.644" v="11658" actId="1076"/>
+          <ac:chgData name="Sabrina De Oliveira" userId="34420f5773a88cdb" providerId="LiveId" clId="{7D17E82B-CE46-49E5-A84E-E2FFE4F43B4F}" dt="2020-06-06T13:03:54.624" v="12524" actId="166"/>
           <ac:spMkLst>
             <pc:docMk/>
             <pc:sldMk cId="708108488" sldId="261"/>
@@ -456,7 +456,7 @@
           </ac:spMkLst>
         </pc:spChg>
         <pc:spChg chg="add mod ord">
-          <ac:chgData name="Sabrina De Oliveira" userId="34420f5773a88cdb" providerId="LiveId" clId="{7D17E82B-CE46-49E5-A84E-E2FFE4F43B4F}" dt="2020-06-05T13:28:17.360" v="11665" actId="167"/>
+          <ac:chgData name="Sabrina De Oliveira" userId="34420f5773a88cdb" providerId="LiveId" clId="{7D17E82B-CE46-49E5-A84E-E2FFE4F43B4F}" dt="2020-06-06T13:03:05.936" v="12508" actId="14100"/>
           <ac:spMkLst>
             <pc:docMk/>
             <pc:sldMk cId="708108488" sldId="261"/>
@@ -520,7 +520,7 @@
           </ac:spMkLst>
         </pc:spChg>
         <pc:spChg chg="add mod ord">
-          <ac:chgData name="Sabrina De Oliveira" userId="34420f5773a88cdb" providerId="LiveId" clId="{7D17E82B-CE46-49E5-A84E-E2FFE4F43B4F}" dt="2020-06-05T13:28:21.523" v="11666" actId="167"/>
+          <ac:chgData name="Sabrina De Oliveira" userId="34420f5773a88cdb" providerId="LiveId" clId="{7D17E82B-CE46-49E5-A84E-E2FFE4F43B4F}" dt="2020-06-06T13:03:51.867" v="12523" actId="1037"/>
           <ac:spMkLst>
             <pc:docMk/>
             <pc:sldMk cId="708108488" sldId="261"/>
@@ -528,7 +528,7 @@
           </ac:spMkLst>
         </pc:spChg>
         <pc:spChg chg="add mod ord">
-          <ac:chgData name="Sabrina De Oliveira" userId="34420f5773a88cdb" providerId="LiveId" clId="{7D17E82B-CE46-49E5-A84E-E2FFE4F43B4F}" dt="2020-06-05T13:30:42.332" v="11678" actId="167"/>
+          <ac:chgData name="Sabrina De Oliveira" userId="34420f5773a88cdb" providerId="LiveId" clId="{7D17E82B-CE46-49E5-A84E-E2FFE4F43B4F}" dt="2020-06-06T13:03:26.821" v="12514" actId="1037"/>
           <ac:spMkLst>
             <pc:docMk/>
             <pc:sldMk cId="708108488" sldId="261"/>
@@ -544,7 +544,7 @@
           </ac:spMkLst>
         </pc:spChg>
         <pc:spChg chg="add mod ord">
-          <ac:chgData name="Sabrina De Oliveira" userId="34420f5773a88cdb" providerId="LiveId" clId="{7D17E82B-CE46-49E5-A84E-E2FFE4F43B4F}" dt="2020-06-05T13:30:42.332" v="11678" actId="167"/>
+          <ac:chgData name="Sabrina De Oliveira" userId="34420f5773a88cdb" providerId="LiveId" clId="{7D17E82B-CE46-49E5-A84E-E2FFE4F43B4F}" dt="2020-06-06T13:02:53.351" v="12506" actId="14100"/>
           <ac:spMkLst>
             <pc:docMk/>
             <pc:sldMk cId="708108488" sldId="261"/>
@@ -791,7 +791,7 @@
         </pc:spChg>
       </pc:sldChg>
       <pc:sldChg chg="addSp delSp modSp add mod modClrScheme chgLayout modNotesTx">
-        <pc:chgData name="Sabrina De Oliveira" userId="34420f5773a88cdb" providerId="LiveId" clId="{7D17E82B-CE46-49E5-A84E-E2FFE4F43B4F}" dt="2020-06-05T14:09:17.713" v="12393" actId="20577"/>
+        <pc:chgData name="Sabrina De Oliveira" userId="34420f5773a88cdb" providerId="LiveId" clId="{7D17E82B-CE46-49E5-A84E-E2FFE4F43B4F}" dt="2020-06-06T13:52:01.465" v="12531" actId="20577"/>
         <pc:sldMkLst>
           <pc:docMk/>
           <pc:sldMk cId="2241483681" sldId="264"/>
@@ -845,7 +845,7 @@
           </ac:spMkLst>
         </pc:spChg>
         <pc:spChg chg="add mod">
-          <ac:chgData name="Sabrina De Oliveira" userId="34420f5773a88cdb" providerId="LiveId" clId="{7D17E82B-CE46-49E5-A84E-E2FFE4F43B4F}" dt="2020-06-05T14:09:17.713" v="12393" actId="20577"/>
+          <ac:chgData name="Sabrina De Oliveira" userId="34420f5773a88cdb" providerId="LiveId" clId="{7D17E82B-CE46-49E5-A84E-E2FFE4F43B4F}" dt="2020-06-06T13:52:01.465" v="12531" actId="20577"/>
           <ac:spMkLst>
             <pc:docMk/>
             <pc:sldMk cId="2241483681" sldId="264"/>
@@ -1823,7 +1823,7 @@
         </pc:spChg>
       </pc:sldChg>
       <pc:sldChg chg="addSp delSp modSp add mod modNotesTx">
-        <pc:chgData name="Sabrina De Oliveira" userId="34420f5773a88cdb" providerId="LiveId" clId="{7D17E82B-CE46-49E5-A84E-E2FFE4F43B4F}" dt="2020-06-03T13:32:01.348" v="3103" actId="1076"/>
+        <pc:chgData name="Sabrina De Oliveira" userId="34420f5773a88cdb" providerId="LiveId" clId="{7D17E82B-CE46-49E5-A84E-E2FFE4F43B4F}" dt="2020-06-06T12:39:45.490" v="12463" actId="20577"/>
         <pc:sldMkLst>
           <pc:docMk/>
           <pc:sldMk cId="133257320" sldId="272"/>
@@ -3756,7 +3756,7 @@
         </pc:picChg>
       </pc:sldChg>
       <pc:sldChg chg="addSp delSp modSp add mod ord modAnim">
-        <pc:chgData name="Sabrina De Oliveira" userId="34420f5773a88cdb" providerId="LiveId" clId="{7D17E82B-CE46-49E5-A84E-E2FFE4F43B4F}" dt="2020-06-05T14:05:08.733" v="12340" actId="478"/>
+        <pc:chgData name="Sabrina De Oliveira" userId="34420f5773a88cdb" providerId="LiveId" clId="{7D17E82B-CE46-49E5-A84E-E2FFE4F43B4F}" dt="2020-06-06T14:49:25.933" v="12541" actId="20577"/>
         <pc:sldMkLst>
           <pc:docMk/>
           <pc:sldMk cId="546630787" sldId="283"/>
@@ -3778,7 +3778,7 @@
           </ac:spMkLst>
         </pc:spChg>
         <pc:spChg chg="mod">
-          <ac:chgData name="Sabrina De Oliveira" userId="34420f5773a88cdb" providerId="LiveId" clId="{7D17E82B-CE46-49E5-A84E-E2FFE4F43B4F}" dt="2020-06-05T12:38:37.941" v="10700" actId="20577"/>
+          <ac:chgData name="Sabrina De Oliveira" userId="34420f5773a88cdb" providerId="LiveId" clId="{7D17E82B-CE46-49E5-A84E-E2FFE4F43B4F}" dt="2020-06-06T14:49:25.933" v="12541" actId="20577"/>
           <ac:spMkLst>
             <pc:docMk/>
             <pc:sldMk cId="546630787" sldId="283"/>
@@ -3859,7 +3859,7 @@
         </pc:picChg>
       </pc:sldChg>
       <pc:sldChg chg="addSp delSp modSp add mod ord modAnim">
-        <pc:chgData name="Sabrina De Oliveira" userId="34420f5773a88cdb" providerId="LiveId" clId="{7D17E82B-CE46-49E5-A84E-E2FFE4F43B4F}" dt="2020-06-05T14:04:54.878" v="12334" actId="20577"/>
+        <pc:chgData name="Sabrina De Oliveira" userId="34420f5773a88cdb" providerId="LiveId" clId="{7D17E82B-CE46-49E5-A84E-E2FFE4F43B4F}" dt="2020-06-06T14:18:35.183" v="12539" actId="478"/>
         <pc:sldMkLst>
           <pc:docMk/>
           <pc:sldMk cId="562129709" sldId="284"/>
@@ -3872,8 +3872,8 @@
             <ac:spMk id="2" creationId="{1A7B22A4-EB73-4088-B3BD-58A5BBB247FA}"/>
           </ac:spMkLst>
         </pc:spChg>
-        <pc:spChg chg="add mod">
-          <ac:chgData name="Sabrina De Oliveira" userId="34420f5773a88cdb" providerId="LiveId" clId="{7D17E82B-CE46-49E5-A84E-E2FFE4F43B4F}" dt="2020-06-05T14:04:52.109" v="12332" actId="478"/>
+        <pc:spChg chg="add del mod">
+          <ac:chgData name="Sabrina De Oliveira" userId="34420f5773a88cdb" providerId="LiveId" clId="{7D17E82B-CE46-49E5-A84E-E2FFE4F43B4F}" dt="2020-06-06T14:18:35.183" v="12539" actId="478"/>
           <ac:spMkLst>
             <pc:docMk/>
             <pc:sldMk cId="562129709" sldId="284"/>
@@ -4017,7 +4017,7 @@
         </pc:picChg>
       </pc:sldChg>
       <pc:sldChg chg="addSp delSp modSp add del mod delAnim modAnim">
-        <pc:chgData name="Sabrina De Oliveira" userId="34420f5773a88cdb" providerId="LiveId" clId="{7D17E82B-CE46-49E5-A84E-E2FFE4F43B4F}" dt="2020-06-05T14:03:28.273" v="12305" actId="478"/>
+        <pc:chgData name="Sabrina De Oliveira" userId="34420f5773a88cdb" providerId="LiveId" clId="{7D17E82B-CE46-49E5-A84E-E2FFE4F43B4F}" dt="2020-06-06T14:13:06.365" v="12537" actId="1076"/>
         <pc:sldMkLst>
           <pc:docMk/>
           <pc:sldMk cId="3093698966" sldId="286"/>
@@ -4054,8 +4054,8 @@
             <ac:spMk id="7" creationId="{894F5E17-16CC-4DD2-86BC-93A4E7658A0B}"/>
           </ac:spMkLst>
         </pc:spChg>
-        <pc:spChg chg="mod">
-          <ac:chgData name="Sabrina De Oliveira" userId="34420f5773a88cdb" providerId="LiveId" clId="{7D17E82B-CE46-49E5-A84E-E2FFE4F43B4F}" dt="2020-06-05T09:11:40.709" v="10430" actId="20577"/>
+        <pc:spChg chg="del mod">
+          <ac:chgData name="Sabrina De Oliveira" userId="34420f5773a88cdb" providerId="LiveId" clId="{7D17E82B-CE46-49E5-A84E-E2FFE4F43B4F}" dt="2020-06-06T14:12:43.898" v="12532" actId="478"/>
           <ac:spMkLst>
             <pc:docMk/>
             <pc:sldMk cId="3093698966" sldId="286"/>
@@ -4063,7 +4063,7 @@
           </ac:spMkLst>
         </pc:spChg>
         <pc:spChg chg="mod">
-          <ac:chgData name="Sabrina De Oliveira" userId="34420f5773a88cdb" providerId="LiveId" clId="{7D17E82B-CE46-49E5-A84E-E2FFE4F43B4F}" dt="2020-06-05T12:32:00.959" v="10546" actId="20577"/>
+          <ac:chgData name="Sabrina De Oliveira" userId="34420f5773a88cdb" providerId="LiveId" clId="{7D17E82B-CE46-49E5-A84E-E2FFE4F43B4F}" dt="2020-06-06T14:13:06.365" v="12537" actId="1076"/>
           <ac:spMkLst>
             <pc:docMk/>
             <pc:sldMk cId="3093698966" sldId="286"/>
@@ -4086,8 +4086,8 @@
             <ac:spMk id="11" creationId="{206B85D8-1891-42BC-97EE-7FEBC94B0FC1}"/>
           </ac:spMkLst>
         </pc:spChg>
-        <pc:spChg chg="add mod">
-          <ac:chgData name="Sabrina De Oliveira" userId="34420f5773a88cdb" providerId="LiveId" clId="{7D17E82B-CE46-49E5-A84E-E2FFE4F43B4F}" dt="2020-06-05T09:10:13.845" v="10406" actId="1076"/>
+        <pc:spChg chg="add del mod">
+          <ac:chgData name="Sabrina De Oliveira" userId="34420f5773a88cdb" providerId="LiveId" clId="{7D17E82B-CE46-49E5-A84E-E2FFE4F43B4F}" dt="2020-06-06T14:12:43.898" v="12532" actId="478"/>
           <ac:spMkLst>
             <pc:docMk/>
             <pc:sldMk cId="3093698966" sldId="286"/>
@@ -4095,7 +4095,7 @@
           </ac:spMkLst>
         </pc:spChg>
         <pc:spChg chg="add mod">
-          <ac:chgData name="Sabrina De Oliveira" userId="34420f5773a88cdb" providerId="LiveId" clId="{7D17E82B-CE46-49E5-A84E-E2FFE4F43B4F}" dt="2020-06-05T09:10:30.388" v="10411" actId="1076"/>
+          <ac:chgData name="Sabrina De Oliveira" userId="34420f5773a88cdb" providerId="LiveId" clId="{7D17E82B-CE46-49E5-A84E-E2FFE4F43B4F}" dt="2020-06-06T14:13:06.365" v="12537" actId="1076"/>
           <ac:spMkLst>
             <pc:docMk/>
             <pc:sldMk cId="3093698966" sldId="286"/>
@@ -4545,7 +4545,7 @@
         </pc:sldMkLst>
       </pc:sldChg>
       <pc:sldChg chg="addSp delSp modSp add mod modClrScheme chgLayout">
-        <pc:chgData name="Sabrina De Oliveira" userId="34420f5773a88cdb" providerId="LiveId" clId="{7D17E82B-CE46-49E5-A84E-E2FFE4F43B4F}" dt="2020-06-05T14:07:28.540" v="12388" actId="478"/>
+        <pc:chgData name="Sabrina De Oliveira" userId="34420f5773a88cdb" providerId="LiveId" clId="{7D17E82B-CE46-49E5-A84E-E2FFE4F43B4F}" dt="2020-06-06T14:53:13.960" v="12558" actId="1076"/>
         <pc:sldMkLst>
           <pc:docMk/>
           <pc:sldMk cId="98910856" sldId="294"/>
@@ -4887,7 +4887,7 @@
           </ac:spMkLst>
         </pc:spChg>
         <pc:graphicFrameChg chg="add mod ord modGraphic">
-          <ac:chgData name="Sabrina De Oliveira" userId="34420f5773a88cdb" providerId="LiveId" clId="{7D17E82B-CE46-49E5-A84E-E2FFE4F43B4F}" dt="2020-06-05T13:48:40.519" v="12022" actId="1036"/>
+          <ac:chgData name="Sabrina De Oliveira" userId="34420f5773a88cdb" providerId="LiveId" clId="{7D17E82B-CE46-49E5-A84E-E2FFE4F43B4F}" dt="2020-06-06T14:53:13.960" v="12558" actId="1076"/>
           <ac:graphicFrameMkLst>
             <pc:docMk/>
             <pc:sldMk cId="98910856" sldId="294"/>
@@ -5006,7 +5006,7 @@
           <a:p>
             <a:fld id="{648224E9-0BB2-4646-9AE5-CD7A1B5C2C89}" type="datetimeFigureOut">
               <a:rPr lang="en-GB" smtClean="0"/>
-              <a:t>05/06/2020</a:t>
+              <a:t>06/06/2020</a:t>
             </a:fld>
             <a:endParaRPr lang="en-GB"/>
           </a:p>
@@ -5383,7 +5383,7 @@
           <a:p>
             <a:r>
               <a:rPr lang="en-GB" dirty="0"/>
-              <a:t>T2DM is generally believed to develop after the onset of insulin resistance due to the beta cell dysfunction that results from the increased need for insulin secretion. This beta cell dysfunction is especially relevant since no production of new beta cells occurs past the age of 30 in the human pancreas. Hence, insulin resistance is believed to be a critical step in the development of T2DM. For this reason, great efforts are being made in order to investigate factors that influence insulin resistance and which are involved in insulin sensitivity. </a:t>
+              <a:t>T2DM is generally believed to develop after the onset of insulin resistance due to the beta cell dysfunction that results from the increased need for insulin secretion. This beta cell dysfunction is especially relevant since no production of new beta cells occurs past the age of 30 in the human pancreas. Hence, insulin resistance is believed to be a critical step in the development of T2DM. For this reason, great efforts are being made in order to investigate factors that influence insulin sensitivity. </a:t>
             </a:r>
           </a:p>
         </p:txBody>
@@ -6641,7 +6641,7 @@
           <a:p>
             <a:fld id="{DA5AD436-A087-4A72-A71C-DCC7BC3259CA}" type="datetimeFigureOut">
               <a:rPr lang="en-GB" smtClean="0"/>
-              <a:t>05/06/2020</a:t>
+              <a:t>06/06/2020</a:t>
             </a:fld>
             <a:endParaRPr lang="en-GB"/>
           </a:p>
@@ -6916,7 +6916,7 @@
           <a:p>
             <a:fld id="{DA5AD436-A087-4A72-A71C-DCC7BC3259CA}" type="datetimeFigureOut">
               <a:rPr lang="en-GB" smtClean="0"/>
-              <a:t>05/06/2020</a:t>
+              <a:t>06/06/2020</a:t>
             </a:fld>
             <a:endParaRPr lang="en-GB"/>
           </a:p>
@@ -7110,7 +7110,7 @@
           <a:p>
             <a:fld id="{DA5AD436-A087-4A72-A71C-DCC7BC3259CA}" type="datetimeFigureOut">
               <a:rPr lang="en-GB" smtClean="0"/>
-              <a:t>05/06/2020</a:t>
+              <a:t>06/06/2020</a:t>
             </a:fld>
             <a:endParaRPr lang="en-GB"/>
           </a:p>
@@ -7383,7 +7383,7 @@
           <a:p>
             <a:fld id="{DA5AD436-A087-4A72-A71C-DCC7BC3259CA}" type="datetimeFigureOut">
               <a:rPr lang="en-GB" smtClean="0"/>
-              <a:t>05/06/2020</a:t>
+              <a:t>06/06/2020</a:t>
             </a:fld>
             <a:endParaRPr lang="en-GB"/>
           </a:p>
@@ -7724,7 +7724,7 @@
           <a:p>
             <a:fld id="{DA5AD436-A087-4A72-A71C-DCC7BC3259CA}" type="datetimeFigureOut">
               <a:rPr lang="en-GB" smtClean="0"/>
-              <a:t>05/06/2020</a:t>
+              <a:t>06/06/2020</a:t>
             </a:fld>
             <a:endParaRPr lang="en-GB"/>
           </a:p>
@@ -8347,7 +8347,7 @@
           <a:p>
             <a:fld id="{DA5AD436-A087-4A72-A71C-DCC7BC3259CA}" type="datetimeFigureOut">
               <a:rPr lang="en-GB" smtClean="0"/>
-              <a:t>05/06/2020</a:t>
+              <a:t>06/06/2020</a:t>
             </a:fld>
             <a:endParaRPr lang="en-GB"/>
           </a:p>
@@ -9207,7 +9207,7 @@
           <a:p>
             <a:fld id="{DA5AD436-A087-4A72-A71C-DCC7BC3259CA}" type="datetimeFigureOut">
               <a:rPr lang="en-GB" smtClean="0"/>
-              <a:t>05/06/2020</a:t>
+              <a:t>06/06/2020</a:t>
             </a:fld>
             <a:endParaRPr lang="en-GB"/>
           </a:p>
@@ -9377,7 +9377,7 @@
           <a:p>
             <a:fld id="{DA5AD436-A087-4A72-A71C-DCC7BC3259CA}" type="datetimeFigureOut">
               <a:rPr lang="en-GB" smtClean="0"/>
-              <a:t>05/06/2020</a:t>
+              <a:t>06/06/2020</a:t>
             </a:fld>
             <a:endParaRPr lang="en-GB"/>
           </a:p>
@@ -9557,7 +9557,7 @@
           <a:p>
             <a:fld id="{DA5AD436-A087-4A72-A71C-DCC7BC3259CA}" type="datetimeFigureOut">
               <a:rPr lang="en-GB" smtClean="0"/>
-              <a:t>05/06/2020</a:t>
+              <a:t>06/06/2020</a:t>
             </a:fld>
             <a:endParaRPr lang="en-GB"/>
           </a:p>
@@ -9727,7 +9727,7 @@
           <a:p>
             <a:fld id="{DA5AD436-A087-4A72-A71C-DCC7BC3259CA}" type="datetimeFigureOut">
               <a:rPr lang="en-GB" smtClean="0"/>
-              <a:t>05/06/2020</a:t>
+              <a:t>06/06/2020</a:t>
             </a:fld>
             <a:endParaRPr lang="en-GB"/>
           </a:p>
@@ -9974,7 +9974,7 @@
           <a:p>
             <a:fld id="{DA5AD436-A087-4A72-A71C-DCC7BC3259CA}" type="datetimeFigureOut">
               <a:rPr lang="en-GB" smtClean="0"/>
-              <a:t>05/06/2020</a:t>
+              <a:t>06/06/2020</a:t>
             </a:fld>
             <a:endParaRPr lang="en-GB"/>
           </a:p>
@@ -10266,7 +10266,7 @@
           <a:p>
             <a:fld id="{DA5AD436-A087-4A72-A71C-DCC7BC3259CA}" type="datetimeFigureOut">
               <a:rPr lang="en-GB" smtClean="0"/>
-              <a:t>05/06/2020</a:t>
+              <a:t>06/06/2020</a:t>
             </a:fld>
             <a:endParaRPr lang="en-GB"/>
           </a:p>
@@ -10710,7 +10710,7 @@
           <a:p>
             <a:fld id="{DA5AD436-A087-4A72-A71C-DCC7BC3259CA}" type="datetimeFigureOut">
               <a:rPr lang="en-GB" smtClean="0"/>
-              <a:t>05/06/2020</a:t>
+              <a:t>06/06/2020</a:t>
             </a:fld>
             <a:endParaRPr lang="en-GB"/>
           </a:p>
@@ -10828,7 +10828,7 @@
           <a:p>
             <a:fld id="{DA5AD436-A087-4A72-A71C-DCC7BC3259CA}" type="datetimeFigureOut">
               <a:rPr lang="en-GB" smtClean="0"/>
-              <a:t>05/06/2020</a:t>
+              <a:t>06/06/2020</a:t>
             </a:fld>
             <a:endParaRPr lang="en-GB"/>
           </a:p>
@@ -10923,7 +10923,7 @@
           <a:p>
             <a:fld id="{DA5AD436-A087-4A72-A71C-DCC7BC3259CA}" type="datetimeFigureOut">
               <a:rPr lang="en-GB" smtClean="0"/>
-              <a:t>05/06/2020</a:t>
+              <a:t>06/06/2020</a:t>
             </a:fld>
             <a:endParaRPr lang="en-GB"/>
           </a:p>
@@ -11202,7 +11202,7 @@
           <a:p>
             <a:fld id="{DA5AD436-A087-4A72-A71C-DCC7BC3259CA}" type="datetimeFigureOut">
               <a:rPr lang="en-GB" smtClean="0"/>
-              <a:t>05/06/2020</a:t>
+              <a:t>06/06/2020</a:t>
             </a:fld>
             <a:endParaRPr lang="en-GB"/>
           </a:p>
@@ -11477,7 +11477,7 @@
           <a:p>
             <a:fld id="{DA5AD436-A087-4A72-A71C-DCC7BC3259CA}" type="datetimeFigureOut">
               <a:rPr lang="en-GB" smtClean="0"/>
-              <a:t>05/06/2020</a:t>
+              <a:t>06/06/2020</a:t>
             </a:fld>
             <a:endParaRPr lang="en-GB"/>
           </a:p>
@@ -11906,7 +11906,7 @@
           <a:p>
             <a:fld id="{DA5AD436-A087-4A72-A71C-DCC7BC3259CA}" type="datetimeFigureOut">
               <a:rPr lang="en-GB" smtClean="0"/>
-              <a:t>05/06/2020</a:t>
+              <a:t>06/06/2020</a:t>
             </a:fld>
             <a:endParaRPr lang="en-GB"/>
           </a:p>
@@ -12926,295 +12926,6 @@
       </p:sp>
       <p:sp>
         <p:nvSpPr>
-          <p:cNvPr id="8" name="Text Placeholder 1">
-            <a:extLst>
-              <a:ext uri="{FF2B5EF4-FFF2-40B4-BE49-F238E27FC236}">
-                <a16:creationId xmlns:a16="http://schemas.microsoft.com/office/drawing/2014/main" id="{46DC1C8A-8AC8-4253-B5B0-01B5C32D330E}"/>
-              </a:ext>
-            </a:extLst>
-          </p:cNvPr>
-          <p:cNvSpPr txBox="1">
-            <a:spLocks/>
-          </p:cNvSpPr>
-          <p:nvPr/>
-        </p:nvSpPr>
-        <p:spPr>
-          <a:xfrm>
-            <a:off x="1159042" y="4134846"/>
-            <a:ext cx="4078484" cy="931333"/>
-          </a:xfrm>
-          <a:prstGeom prst="rect">
-            <a:avLst/>
-          </a:prstGeom>
-          <a:solidFill>
-            <a:schemeClr val="accent1"/>
-          </a:solidFill>
-          <a:ln>
-            <a:solidFill>
-              <a:schemeClr val="accent1"/>
-            </a:solidFill>
-          </a:ln>
-        </p:spPr>
-        <p:txBody>
-          <a:bodyPr vert="horz" lIns="91440" tIns="45720" rIns="91440" bIns="45720" rtlCol="0" anchor="ctr">
-            <a:noAutofit/>
-          </a:bodyPr>
-          <a:lstStyle>
-            <a:lvl1pPr marL="0" indent="0" algn="l" defTabSz="457200" rtl="0" eaLnBrk="1" latinLnBrk="0" hangingPunct="1">
-              <a:spcBef>
-                <a:spcPts val="1000"/>
-              </a:spcBef>
-              <a:spcAft>
-                <a:spcPts val="0"/>
-              </a:spcAft>
-              <a:buClr>
-                <a:schemeClr val="bg2">
-                  <a:lumMod val="40000"/>
-                  <a:lumOff val="60000"/>
-                </a:schemeClr>
-              </a:buClr>
-              <a:buSzPct val="80000"/>
-              <a:buFont typeface="Wingdings 3" charset="2"/>
-              <a:buNone/>
-              <a:defRPr sz="2400" b="0" i="0" kern="1200">
-                <a:solidFill>
-                  <a:schemeClr val="bg2">
-                    <a:lumMod val="40000"/>
-                    <a:lumOff val="60000"/>
-                  </a:schemeClr>
-                </a:solidFill>
-                <a:latin typeface="+mj-lt"/>
-                <a:ea typeface="+mj-ea"/>
-                <a:cs typeface="+mj-cs"/>
-              </a:defRPr>
-            </a:lvl1pPr>
-            <a:lvl2pPr marL="457200" indent="0" algn="l" defTabSz="457200" rtl="0" eaLnBrk="1" latinLnBrk="0" hangingPunct="1">
-              <a:spcBef>
-                <a:spcPts val="1000"/>
-              </a:spcBef>
-              <a:spcAft>
-                <a:spcPts val="0"/>
-              </a:spcAft>
-              <a:buClr>
-                <a:schemeClr val="bg2">
-                  <a:lumMod val="40000"/>
-                  <a:lumOff val="60000"/>
-                </a:schemeClr>
-              </a:buClr>
-              <a:buSzPct val="80000"/>
-              <a:buFont typeface="Wingdings 3" charset="2"/>
-              <a:buNone/>
-              <a:defRPr sz="2000" b="1" i="0" kern="1200">
-                <a:solidFill>
-                  <a:schemeClr val="tx1"/>
-                </a:solidFill>
-                <a:latin typeface="+mj-lt"/>
-                <a:ea typeface="+mj-ea"/>
-                <a:cs typeface="+mj-cs"/>
-              </a:defRPr>
-            </a:lvl2pPr>
-            <a:lvl3pPr marL="914400" indent="0" algn="l" defTabSz="457200" rtl="0" eaLnBrk="1" latinLnBrk="0" hangingPunct="1">
-              <a:spcBef>
-                <a:spcPts val="1000"/>
-              </a:spcBef>
-              <a:spcAft>
-                <a:spcPts val="0"/>
-              </a:spcAft>
-              <a:buClr>
-                <a:schemeClr val="bg2">
-                  <a:lumMod val="40000"/>
-                  <a:lumOff val="60000"/>
-                </a:schemeClr>
-              </a:buClr>
-              <a:buSzPct val="80000"/>
-              <a:buFont typeface="Wingdings 3" charset="2"/>
-              <a:buNone/>
-              <a:defRPr sz="1800" b="1" i="0" kern="1200">
-                <a:solidFill>
-                  <a:schemeClr val="tx1"/>
-                </a:solidFill>
-                <a:latin typeface="+mj-lt"/>
-                <a:ea typeface="+mj-ea"/>
-                <a:cs typeface="+mj-cs"/>
-              </a:defRPr>
-            </a:lvl3pPr>
-            <a:lvl4pPr marL="1371600" indent="0" algn="l" defTabSz="457200" rtl="0" eaLnBrk="1" latinLnBrk="0" hangingPunct="1">
-              <a:spcBef>
-                <a:spcPts val="1000"/>
-              </a:spcBef>
-              <a:spcAft>
-                <a:spcPts val="0"/>
-              </a:spcAft>
-              <a:buClr>
-                <a:schemeClr val="bg2">
-                  <a:lumMod val="40000"/>
-                  <a:lumOff val="60000"/>
-                </a:schemeClr>
-              </a:buClr>
-              <a:buSzPct val="80000"/>
-              <a:buFont typeface="Wingdings 3" charset="2"/>
-              <a:buNone/>
-              <a:defRPr sz="1600" b="1" i="0" kern="1200">
-                <a:solidFill>
-                  <a:schemeClr val="tx1"/>
-                </a:solidFill>
-                <a:latin typeface="+mj-lt"/>
-                <a:ea typeface="+mj-ea"/>
-                <a:cs typeface="+mj-cs"/>
-              </a:defRPr>
-            </a:lvl4pPr>
-            <a:lvl5pPr marL="1828800" indent="0" algn="l" defTabSz="457200" rtl="0" eaLnBrk="1" latinLnBrk="0" hangingPunct="1">
-              <a:spcBef>
-                <a:spcPts val="1000"/>
-              </a:spcBef>
-              <a:spcAft>
-                <a:spcPts val="0"/>
-              </a:spcAft>
-              <a:buClr>
-                <a:schemeClr val="bg2">
-                  <a:lumMod val="40000"/>
-                  <a:lumOff val="60000"/>
-                </a:schemeClr>
-              </a:buClr>
-              <a:buSzPct val="80000"/>
-              <a:buFont typeface="Wingdings 3" charset="2"/>
-              <a:buNone/>
-              <a:defRPr sz="1600" b="1" i="0" kern="1200">
-                <a:solidFill>
-                  <a:schemeClr val="tx1"/>
-                </a:solidFill>
-                <a:latin typeface="+mj-lt"/>
-                <a:ea typeface="+mj-ea"/>
-                <a:cs typeface="+mj-cs"/>
-              </a:defRPr>
-            </a:lvl5pPr>
-            <a:lvl6pPr marL="2286000" indent="0" algn="l" defTabSz="457200" rtl="0" eaLnBrk="1" latinLnBrk="0" hangingPunct="1">
-              <a:spcBef>
-                <a:spcPts val="1000"/>
-              </a:spcBef>
-              <a:spcAft>
-                <a:spcPts val="0"/>
-              </a:spcAft>
-              <a:buClr>
-                <a:schemeClr val="bg2">
-                  <a:lumMod val="40000"/>
-                  <a:lumOff val="60000"/>
-                </a:schemeClr>
-              </a:buClr>
-              <a:buSzPct val="80000"/>
-              <a:buFont typeface="Wingdings 3" charset="2"/>
-              <a:buNone/>
-              <a:defRPr sz="1600" b="1" i="0" kern="1200">
-                <a:solidFill>
-                  <a:schemeClr val="tx1"/>
-                </a:solidFill>
-                <a:latin typeface="+mj-lt"/>
-                <a:ea typeface="+mj-ea"/>
-                <a:cs typeface="+mj-cs"/>
-              </a:defRPr>
-            </a:lvl6pPr>
-            <a:lvl7pPr marL="2743200" indent="0" algn="l" defTabSz="457200" rtl="0" eaLnBrk="1" latinLnBrk="0" hangingPunct="1">
-              <a:spcBef>
-                <a:spcPts val="1000"/>
-              </a:spcBef>
-              <a:spcAft>
-                <a:spcPts val="0"/>
-              </a:spcAft>
-              <a:buClr>
-                <a:schemeClr val="bg2">
-                  <a:lumMod val="40000"/>
-                  <a:lumOff val="60000"/>
-                </a:schemeClr>
-              </a:buClr>
-              <a:buSzPct val="80000"/>
-              <a:buFont typeface="Wingdings 3" charset="2"/>
-              <a:buNone/>
-              <a:defRPr sz="1600" b="1" i="0" kern="1200">
-                <a:solidFill>
-                  <a:schemeClr val="tx1"/>
-                </a:solidFill>
-                <a:latin typeface="+mj-lt"/>
-                <a:ea typeface="+mj-ea"/>
-                <a:cs typeface="+mj-cs"/>
-              </a:defRPr>
-            </a:lvl7pPr>
-            <a:lvl8pPr marL="3200400" indent="0" algn="l" defTabSz="457200" rtl="0" eaLnBrk="1" latinLnBrk="0" hangingPunct="1">
-              <a:spcBef>
-                <a:spcPts val="1000"/>
-              </a:spcBef>
-              <a:spcAft>
-                <a:spcPts val="0"/>
-              </a:spcAft>
-              <a:buClr>
-                <a:schemeClr val="bg2">
-                  <a:lumMod val="40000"/>
-                  <a:lumOff val="60000"/>
-                </a:schemeClr>
-              </a:buClr>
-              <a:buSzPct val="80000"/>
-              <a:buFont typeface="Wingdings 3" charset="2"/>
-              <a:buNone/>
-              <a:defRPr sz="1600" b="1" i="0" kern="1200">
-                <a:solidFill>
-                  <a:schemeClr val="tx1"/>
-                </a:solidFill>
-                <a:latin typeface="+mj-lt"/>
-                <a:ea typeface="+mj-ea"/>
-                <a:cs typeface="+mj-cs"/>
-              </a:defRPr>
-            </a:lvl8pPr>
-            <a:lvl9pPr marL="3657600" indent="0" algn="l" defTabSz="457200" rtl="0" eaLnBrk="1" latinLnBrk="0" hangingPunct="1">
-              <a:spcBef>
-                <a:spcPts val="1000"/>
-              </a:spcBef>
-              <a:spcAft>
-                <a:spcPts val="0"/>
-              </a:spcAft>
-              <a:buClr>
-                <a:schemeClr val="bg2">
-                  <a:lumMod val="40000"/>
-                  <a:lumOff val="60000"/>
-                </a:schemeClr>
-              </a:buClr>
-              <a:buSzPct val="80000"/>
-              <a:buFont typeface="Wingdings 3" charset="2"/>
-              <a:buNone/>
-              <a:defRPr sz="1600" b="1" i="0" kern="1200">
-                <a:solidFill>
-                  <a:schemeClr val="tx1"/>
-                </a:solidFill>
-                <a:latin typeface="+mj-lt"/>
-                <a:ea typeface="+mj-ea"/>
-                <a:cs typeface="+mj-cs"/>
-              </a:defRPr>
-            </a:lvl9pPr>
-          </a:lstStyle>
-          <a:p>
-            <a:pPr algn="ctr"/>
-            <a:r>
-              <a:rPr lang="en-GB" sz="2000" dirty="0">
-                <a:solidFill>
-                  <a:schemeClr val="tx1"/>
-                </a:solidFill>
-              </a:rPr>
-              <a:t>402 samples</a:t>
-            </a:r>
-          </a:p>
-          <a:p>
-            <a:pPr algn="ctr"/>
-            <a:r>
-              <a:rPr lang="en-GB" sz="2000" dirty="0">
-                <a:solidFill>
-                  <a:schemeClr val="tx1"/>
-                </a:solidFill>
-              </a:rPr>
-              <a:t>323 metabolites</a:t>
-            </a:r>
-          </a:p>
-        </p:txBody>
-      </p:sp>
-      <p:sp>
-        <p:nvSpPr>
           <p:cNvPr id="9" name="Text Placeholder 2">
             <a:extLst>
               <a:ext uri="{FF2B5EF4-FFF2-40B4-BE49-F238E27FC236}">
@@ -13229,7 +12940,7 @@
         </p:nvSpPr>
         <p:spPr>
           <a:xfrm>
-            <a:off x="6954476" y="4134846"/>
+            <a:off x="4056760" y="4142944"/>
             <a:ext cx="4078484" cy="931333"/>
           </a:xfrm>
           <a:prstGeom prst="rect">
@@ -13501,55 +13212,6 @@
       </p:sp>
       <p:sp>
         <p:nvSpPr>
-          <p:cNvPr id="12" name="Rectangle 11">
-            <a:extLst>
-              <a:ext uri="{FF2B5EF4-FFF2-40B4-BE49-F238E27FC236}">
-                <a16:creationId xmlns:a16="http://schemas.microsoft.com/office/drawing/2014/main" id="{17F1E07E-1381-4642-A86C-A1DDB49322CD}"/>
-              </a:ext>
-            </a:extLst>
-          </p:cNvPr>
-          <p:cNvSpPr/>
-          <p:nvPr/>
-        </p:nvSpPr>
-        <p:spPr>
-          <a:xfrm>
-            <a:off x="1159042" y="3078991"/>
-            <a:ext cx="4078484" cy="760345"/>
-          </a:xfrm>
-          <a:prstGeom prst="rect">
-            <a:avLst/>
-          </a:prstGeom>
-        </p:spPr>
-        <p:style>
-          <a:lnRef idx="2">
-            <a:schemeClr val="accent1">
-              <a:shade val="50000"/>
-            </a:schemeClr>
-          </a:lnRef>
-          <a:fillRef idx="1">
-            <a:schemeClr val="accent1"/>
-          </a:fillRef>
-          <a:effectRef idx="0">
-            <a:schemeClr val="accent1"/>
-          </a:effectRef>
-          <a:fontRef idx="minor">
-            <a:schemeClr val="lt1"/>
-          </a:fontRef>
-        </p:style>
-        <p:txBody>
-          <a:bodyPr rtlCol="0" anchor="ctr"/>
-          <a:lstStyle/>
-          <a:p>
-            <a:pPr algn="ctr"/>
-            <a:r>
-              <a:rPr lang="en-GB" sz="2800" u="sng" dirty="0"/>
-              <a:t>Metabolome data</a:t>
-            </a:r>
-          </a:p>
-        </p:txBody>
-      </p:sp>
-      <p:sp>
-        <p:nvSpPr>
           <p:cNvPr id="13" name="Rectangle 12">
             <a:extLst>
               <a:ext uri="{FF2B5EF4-FFF2-40B4-BE49-F238E27FC236}">
@@ -13562,7 +13224,7 @@
         </p:nvSpPr>
         <p:spPr>
           <a:xfrm>
-            <a:off x="6954474" y="3030676"/>
+            <a:off x="4056758" y="3038774"/>
             <a:ext cx="4078484" cy="780452"/>
           </a:xfrm>
           <a:prstGeom prst="rect">
@@ -13631,6 +13293,9 @@
                     <p:cTn id="3" fill="hold">
                       <p:stCondLst>
                         <p:cond delay="indefinite"/>
+                        <p:cond evt="onBegin" delay="0">
+                          <p:tn val="2"/>
+                        </p:cond>
                       </p:stCondLst>
                       <p:childTnLst>
                         <p:par>
@@ -13640,7 +13305,7 @@
                             </p:stCondLst>
                             <p:childTnLst>
                               <p:par>
-                                <p:cTn id="5" presetID="1" presetClass="entr" presetSubtype="0" fill="hold" grpId="0" nodeType="clickEffect">
+                                <p:cTn id="5" presetID="1" presetClass="entr" presetSubtype="0" fill="hold" grpId="0" nodeType="withEffect">
                                   <p:stCondLst>
                                     <p:cond delay="0"/>
                                   </p:stCondLst>
@@ -13648,33 +13313,6 @@
                                     <p:set>
                                       <p:cBhvr>
                                         <p:cTn id="6" dur="1" fill="hold">
-                                          <p:stCondLst>
-                                            <p:cond delay="0"/>
-                                          </p:stCondLst>
-                                        </p:cTn>
-                                        <p:tgtEl>
-                                          <p:spTgt spid="8"/>
-                                        </p:tgtEl>
-                                        <p:attrNameLst>
-                                          <p:attrName>style.visibility</p:attrName>
-                                        </p:attrNameLst>
-                                      </p:cBhvr>
-                                      <p:to>
-                                        <p:strVal val="visible"/>
-                                      </p:to>
-                                    </p:set>
-                                  </p:childTnLst>
-                                </p:cTn>
-                              </p:par>
-                              <p:par>
-                                <p:cTn id="7" presetID="1" presetClass="entr" presetSubtype="0" fill="hold" grpId="0" nodeType="withEffect">
-                                  <p:stCondLst>
-                                    <p:cond delay="0"/>
-                                  </p:stCondLst>
-                                  <p:childTnLst>
-                                    <p:set>
-                                      <p:cBhvr>
-                                        <p:cTn id="8" dur="1" fill="hold">
                                           <p:stCondLst>
                                             <p:cond delay="0"/>
                                           </p:stCondLst>
@@ -13721,7 +13359,6 @@
       </p:par>
     </p:tnLst>
     <p:bldLst>
-      <p:bldP spid="8" grpId="0" animBg="1"/>
       <p:bldP spid="9" grpId="0" animBg="1"/>
     </p:bldLst>
   </p:timing>
@@ -15234,31 +14871,6 @@
           </a:extLst>
         </p:spPr>
       </p:pic>
-      <p:sp>
-        <p:nvSpPr>
-          <p:cNvPr id="3" name="Content Placeholder 2">
-            <a:extLst>
-              <a:ext uri="{FF2B5EF4-FFF2-40B4-BE49-F238E27FC236}">
-                <a16:creationId xmlns:a16="http://schemas.microsoft.com/office/drawing/2014/main" id="{B6ADF7B6-8577-4B2E-9811-71B31D6A2352}"/>
-              </a:ext>
-            </a:extLst>
-          </p:cNvPr>
-          <p:cNvSpPr>
-            <a:spLocks noGrp="1"/>
-          </p:cNvSpPr>
-          <p:nvPr>
-            <p:ph idx="1"/>
-          </p:nvPr>
-        </p:nvSpPr>
-        <p:spPr/>
-        <p:txBody>
-          <a:bodyPr/>
-          <a:lstStyle/>
-          <a:p>
-            <a:endParaRPr lang="en-GB"/>
-          </a:p>
-        </p:txBody>
-      </p:sp>
     </p:spTree>
     <p:extLst>
       <p:ext uri="{BB962C8B-B14F-4D97-AF65-F5344CB8AC3E}">
@@ -15452,7 +15064,7 @@
             </a:br>
             <a:r>
               <a:rPr lang="en-GB" sz="3200" dirty="0"/>
-              <a:t>Bacteroides abundance</a:t>
+              <a:t>Bacteroidetes abundance</a:t>
             </a:r>
           </a:p>
         </p:txBody>
@@ -19959,14 +19571,14 @@
             <p:ph sz="quarter" idx="4"/>
             <p:extLst>
               <p:ext uri="{D42A27DB-BD31-4B8C-83A1-F6EECF244321}">
-                <p14:modId xmlns:p14="http://schemas.microsoft.com/office/powerpoint/2010/main" val="1802644730"/>
+                <p14:modId xmlns:p14="http://schemas.microsoft.com/office/powerpoint/2010/main" val="4205643004"/>
               </p:ext>
             </p:extLst>
           </p:nvPr>
         </p:nvGraphicFramePr>
         <p:xfrm>
-          <a:off x="1103588" y="3117589"/>
-          <a:ext cx="4395788" cy="3688080"/>
+          <a:off x="1311459" y="3117589"/>
+          <a:ext cx="4395787" cy="3688080"/>
         </p:xfrm>
         <a:graphic>
           <a:graphicData uri="http://schemas.openxmlformats.org/drawingml/2006/table">
@@ -19975,14 +19587,14 @@
                 <a:tableStyleId>{5C22544A-7EE6-4342-B048-85BDC9FD1C3A}</a:tableStyleId>
               </a:tblPr>
               <a:tblGrid>
-                <a:gridCol w="2197894">
+                <a:gridCol w="2209239">
                   <a:extLst>
                     <a:ext uri="{9D8B030D-6E8A-4147-A177-3AD203B41FA5}">
-                      <a16:colId xmlns:a16="http://schemas.microsoft.com/office/drawing/2014/main" val="1405396964"/>
+                      <a16:colId xmlns:a16="http://schemas.microsoft.com/office/drawing/2014/main" val="3481512365"/>
                     </a:ext>
                   </a:extLst>
                 </a:gridCol>
-                <a:gridCol w="2197894">
+                <a:gridCol w="2186548">
                   <a:extLst>
                     <a:ext uri="{9D8B030D-6E8A-4147-A177-3AD203B41FA5}">
                       <a16:colId xmlns:a16="http://schemas.microsoft.com/office/drawing/2014/main" val="954277969"/>
@@ -20032,19 +19644,6 @@
                     <a:lstStyle/>
                     <a:p>
                       <a:r>
-                        <a:rPr lang="en-GB" dirty="0"/>
-                        <a:t>SRA1</a:t>
-                      </a:r>
-                    </a:p>
-                  </a:txBody>
-                  <a:tcPr/>
-                </a:tc>
-                <a:tc>
-                  <a:txBody>
-                    <a:bodyPr/>
-                    <a:lstStyle/>
-                    <a:p>
-                      <a:r>
                         <a:rPr lang="en-GB" sz="1800" b="0" i="0" u="none" strike="noStrike" kern="1200" dirty="0">
                           <a:solidFill>
                             <a:schemeClr val="dk1"/>
@@ -20061,6 +19660,19 @@
                   </a:txBody>
                   <a:tcPr/>
                 </a:tc>
+                <a:tc>
+                  <a:txBody>
+                    <a:bodyPr/>
+                    <a:lstStyle/>
+                    <a:p>
+                      <a:r>
+                        <a:rPr lang="en-GB" dirty="0"/>
+                        <a:t>SRA1</a:t>
+                      </a:r>
+                    </a:p>
+                  </a:txBody>
+                  <a:tcPr/>
+                </a:tc>
                 <a:extLst>
                   <a:ext uri="{0D108BD9-81ED-4DB2-BD59-A6C34878D82A}">
                     <a16:rowId xmlns:a16="http://schemas.microsoft.com/office/drawing/2014/main" val="2583486321"/>
@@ -20068,19 +19680,6 @@
                 </a:extLst>
               </a:tr>
               <a:tr h="370840">
-                <a:tc>
-                  <a:txBody>
-                    <a:bodyPr/>
-                    <a:lstStyle/>
-                    <a:p>
-                      <a:r>
-                        <a:rPr lang="en-GB" dirty="0"/>
-                        <a:t>JPH3</a:t>
-                      </a:r>
-                    </a:p>
-                  </a:txBody>
-                  <a:tcPr/>
-                </a:tc>
                 <a:tc>
                   <a:txBody>
                     <a:bodyPr/>
@@ -20099,6 +19698,19 @@
                         <a:t>LINGO2</a:t>
                       </a:r>
                       <a:endParaRPr lang="en-GB" dirty="0"/>
+                    </a:p>
+                  </a:txBody>
+                  <a:tcPr/>
+                </a:tc>
+                <a:tc>
+                  <a:txBody>
+                    <a:bodyPr/>
+                    <a:lstStyle/>
+                    <a:p>
+                      <a:r>
+                        <a:rPr lang="en-GB" dirty="0"/>
+                        <a:t>JPH3</a:t>
+                      </a:r>
                     </a:p>
                   </a:txBody>
                   <a:tcPr/>
@@ -20125,7 +19737,7 @@
                           <a:ea typeface="+mn-ea"/>
                           <a:cs typeface="+mn-cs"/>
                         </a:rPr>
-                        <a:t>ADAMTS4 </a:t>
+                        <a:t>SLCA2</a:t>
                       </a:r>
                       <a:endParaRPr lang="en-GB" dirty="0"/>
                     </a:p>
@@ -20147,7 +19759,7 @@
                           <a:ea typeface="+mn-ea"/>
                           <a:cs typeface="+mn-cs"/>
                         </a:rPr>
-                        <a:t>SLCA2</a:t>
+                        <a:t>ADAMTS4 </a:t>
                       </a:r>
                       <a:endParaRPr lang="en-GB" dirty="0"/>
                     </a:p>
@@ -20176,7 +19788,7 @@
                           <a:ea typeface="+mn-ea"/>
                           <a:cs typeface="+mn-cs"/>
                         </a:rPr>
-                        <a:t>CDH20 </a:t>
+                        <a:t>ADCK4</a:t>
                       </a:r>
                       <a:endParaRPr lang="en-GB" dirty="0"/>
                     </a:p>
@@ -20198,7 +19810,7 @@
                           <a:ea typeface="+mn-ea"/>
                           <a:cs typeface="+mn-cs"/>
                         </a:rPr>
-                        <a:t>ADCK4</a:t>
+                        <a:t>CDH20 </a:t>
                       </a:r>
                       <a:endParaRPr lang="en-GB" dirty="0"/>
                     </a:p>
@@ -20212,16 +19824,6 @@
                 </a:extLst>
               </a:tr>
               <a:tr h="370840">
-                <a:tc>
-                  <a:txBody>
-                    <a:bodyPr/>
-                    <a:lstStyle/>
-                    <a:p>
-                      <a:endParaRPr lang="en-GB"/>
-                    </a:p>
-                  </a:txBody>
-                  <a:tcPr/>
-                </a:tc>
                 <a:tc>
                   <a:txBody>
                     <a:bodyPr/>
@@ -20244,13 +19846,6 @@
                   </a:txBody>
                   <a:tcPr/>
                 </a:tc>
-                <a:extLst>
-                  <a:ext uri="{0D108BD9-81ED-4DB2-BD59-A6C34878D82A}">
-                    <a16:rowId xmlns:a16="http://schemas.microsoft.com/office/drawing/2014/main" val="712181724"/>
-                  </a:ext>
-                </a:extLst>
-              </a:tr>
-              <a:tr h="0">
                 <a:tc>
                   <a:txBody>
                     <a:bodyPr/>
@@ -20261,6 +19856,13 @@
                   </a:txBody>
                   <a:tcPr/>
                 </a:tc>
+                <a:extLst>
+                  <a:ext uri="{0D108BD9-81ED-4DB2-BD59-A6C34878D82A}">
+                    <a16:rowId xmlns:a16="http://schemas.microsoft.com/office/drawing/2014/main" val="712181724"/>
+                  </a:ext>
+                </a:extLst>
+              </a:tr>
+              <a:tr h="0">
                 <a:tc>
                   <a:txBody>
                     <a:bodyPr/>
@@ -20283,13 +19885,6 @@
                   </a:txBody>
                   <a:tcPr/>
                 </a:tc>
-                <a:extLst>
-                  <a:ext uri="{0D108BD9-81ED-4DB2-BD59-A6C34878D82A}">
-                    <a16:rowId xmlns:a16="http://schemas.microsoft.com/office/drawing/2014/main" val="1805258805"/>
-                  </a:ext>
-                </a:extLst>
-              </a:tr>
-              <a:tr h="273050">
                 <a:tc>
                   <a:txBody>
                     <a:bodyPr/>
@@ -20300,6 +19895,13 @@
                   </a:txBody>
                   <a:tcPr/>
                 </a:tc>
+                <a:extLst>
+                  <a:ext uri="{0D108BD9-81ED-4DB2-BD59-A6C34878D82A}">
+                    <a16:rowId xmlns:a16="http://schemas.microsoft.com/office/drawing/2014/main" val="1805258805"/>
+                  </a:ext>
+                </a:extLst>
+              </a:tr>
+              <a:tr h="273050">
                 <a:tc>
                   <a:txBody>
                     <a:bodyPr/>
@@ -20322,13 +19924,6 @@
                   </a:txBody>
                   <a:tcPr/>
                 </a:tc>
-                <a:extLst>
-                  <a:ext uri="{0D108BD9-81ED-4DB2-BD59-A6C34878D82A}">
-                    <a16:rowId xmlns:a16="http://schemas.microsoft.com/office/drawing/2014/main" val="395322516"/>
-                  </a:ext>
-                </a:extLst>
-              </a:tr>
-              <a:tr h="180340">
                 <a:tc>
                   <a:txBody>
                     <a:bodyPr/>
@@ -20339,6 +19934,13 @@
                   </a:txBody>
                   <a:tcPr/>
                 </a:tc>
+                <a:extLst>
+                  <a:ext uri="{0D108BD9-81ED-4DB2-BD59-A6C34878D82A}">
+                    <a16:rowId xmlns:a16="http://schemas.microsoft.com/office/drawing/2014/main" val="395322516"/>
+                  </a:ext>
+                </a:extLst>
+              </a:tr>
+              <a:tr h="180340">
                 <a:tc>
                   <a:txBody>
                     <a:bodyPr/>
@@ -20361,13 +19963,6 @@
                   </a:txBody>
                   <a:tcPr/>
                 </a:tc>
-                <a:extLst>
-                  <a:ext uri="{0D108BD9-81ED-4DB2-BD59-A6C34878D82A}">
-                    <a16:rowId xmlns:a16="http://schemas.microsoft.com/office/drawing/2014/main" val="254803337"/>
-                  </a:ext>
-                </a:extLst>
-              </a:tr>
-              <a:tr h="0">
                 <a:tc>
                   <a:txBody>
                     <a:bodyPr/>
@@ -20378,6 +19973,13 @@
                   </a:txBody>
                   <a:tcPr/>
                 </a:tc>
+                <a:extLst>
+                  <a:ext uri="{0D108BD9-81ED-4DB2-BD59-A6C34878D82A}">
+                    <a16:rowId xmlns:a16="http://schemas.microsoft.com/office/drawing/2014/main" val="254803337"/>
+                  </a:ext>
+                </a:extLst>
+              </a:tr>
+              <a:tr h="0">
                 <a:tc>
                   <a:txBody>
                     <a:bodyPr/>
@@ -20395,6 +19997,16 @@
                         </a:rPr>
                         <a:t>UTP14C</a:t>
                       </a:r>
+                      <a:endParaRPr lang="en-GB" dirty="0"/>
+                    </a:p>
+                  </a:txBody>
+                  <a:tcPr/>
+                </a:tc>
+                <a:tc>
+                  <a:txBody>
+                    <a:bodyPr/>
+                    <a:lstStyle/>
+                    <a:p>
                       <a:endParaRPr lang="en-GB" dirty="0"/>
                     </a:p>
                   </a:txBody>
@@ -22549,8 +22161,8 @@
         </p:nvSpPr>
         <p:spPr>
           <a:xfrm>
-            <a:off x="6496492" y="2857183"/>
-            <a:ext cx="4099641" cy="395654"/>
+            <a:off x="5832349" y="2827673"/>
+            <a:ext cx="5387581" cy="395654"/>
           </a:xfrm>
           <a:prstGeom prst="rect">
             <a:avLst/>
@@ -22601,8 +22213,8 @@
         </p:nvSpPr>
         <p:spPr>
           <a:xfrm>
-            <a:off x="1254640" y="3252928"/>
-            <a:ext cx="4816549" cy="441145"/>
+            <a:off x="1418831" y="3252928"/>
+            <a:ext cx="3413051" cy="441145"/>
           </a:xfrm>
           <a:prstGeom prst="rect">
             <a:avLst/>
@@ -22653,8 +22265,8 @@
         </p:nvSpPr>
         <p:spPr>
           <a:xfrm>
-            <a:off x="3733009" y="3722193"/>
-            <a:ext cx="4932524" cy="441146"/>
+            <a:off x="4254368" y="3722193"/>
+            <a:ext cx="3867761" cy="441146"/>
           </a:xfrm>
           <a:prstGeom prst="rect">
             <a:avLst/>
@@ -22705,8 +22317,8 @@
         </p:nvSpPr>
         <p:spPr>
           <a:xfrm>
-            <a:off x="7740724" y="3288784"/>
-            <a:ext cx="3413051" cy="395654"/>
+            <a:off x="6545180" y="3288784"/>
+            <a:ext cx="4437245" cy="395654"/>
           </a:xfrm>
           <a:prstGeom prst="rect">
             <a:avLst/>
@@ -22745,6 +22357,40 @@
       </p:sp>
       <p:sp>
         <p:nvSpPr>
+          <p:cNvPr id="7" name="Title 1">
+            <a:extLst>
+              <a:ext uri="{FF2B5EF4-FFF2-40B4-BE49-F238E27FC236}">
+                <a16:creationId xmlns:a16="http://schemas.microsoft.com/office/drawing/2014/main" id="{894F5E17-16CC-4DD2-86BC-93A4E7658A0B}"/>
+              </a:ext>
+            </a:extLst>
+          </p:cNvPr>
+          <p:cNvSpPr>
+            <a:spLocks noGrp="1"/>
+          </p:cNvSpPr>
+          <p:nvPr>
+            <p:ph type="title"/>
+          </p:nvPr>
+        </p:nvSpPr>
+        <p:spPr>
+          <a:xfrm>
+            <a:off x="1427294" y="1847665"/>
+            <a:ext cx="9337411" cy="935816"/>
+          </a:xfrm>
+        </p:spPr>
+        <p:txBody>
+          <a:bodyPr/>
+          <a:lstStyle/>
+          <a:p>
+            <a:pPr algn="ctr"/>
+            <a:r>
+              <a:rPr lang="en-GB" u="sng" dirty="0"/>
+              <a:t>Aim</a:t>
+            </a:r>
+          </a:p>
+        </p:txBody>
+      </p:sp>
+      <p:sp>
+        <p:nvSpPr>
           <p:cNvPr id="2" name="TextBox 1">
             <a:extLst>
               <a:ext uri="{FF2B5EF4-FFF2-40B4-BE49-F238E27FC236}">
@@ -22774,41 +22420,7 @@
             <a:pPr algn="ctr"/>
             <a:r>
               <a:rPr lang="en-GB" sz="2800" dirty="0"/>
-              <a:t>Investigate the changes in host metabolome, host proteome and microbiome between insulin resistant and insulin sensitive prediabetics.</a:t>
-            </a:r>
-          </a:p>
-        </p:txBody>
-      </p:sp>
-      <p:sp>
-        <p:nvSpPr>
-          <p:cNvPr id="7" name="Title 1">
-            <a:extLst>
-              <a:ext uri="{FF2B5EF4-FFF2-40B4-BE49-F238E27FC236}">
-                <a16:creationId xmlns:a16="http://schemas.microsoft.com/office/drawing/2014/main" id="{894F5E17-16CC-4DD2-86BC-93A4E7658A0B}"/>
-              </a:ext>
-            </a:extLst>
-          </p:cNvPr>
-          <p:cNvSpPr>
-            <a:spLocks noGrp="1"/>
-          </p:cNvSpPr>
-          <p:nvPr>
-            <p:ph type="title"/>
-          </p:nvPr>
-        </p:nvSpPr>
-        <p:spPr>
-          <a:xfrm>
-            <a:off x="1427294" y="1847665"/>
-            <a:ext cx="9337411" cy="935816"/>
-          </a:xfrm>
-        </p:spPr>
-        <p:txBody>
-          <a:bodyPr/>
-          <a:lstStyle/>
-          <a:p>
-            <a:pPr algn="ctr"/>
-            <a:r>
-              <a:rPr lang="en-GB" u="sng" dirty="0"/>
-              <a:t>Aim</a:t>
+              <a:t>Investigate the changes in microbiome, host metabolome  and host proteome between insulin resistant and insulin sensitive prediabetics.</a:t>
             </a:r>
           </a:p>
         </p:txBody>
@@ -29259,7 +28871,7 @@
                   </a:schemeClr>
                 </a:solidFill>
               </a:rPr>
-              <a:t>18 significantly more changed pathways (Z-score &gt; 1.96)</a:t>
+              <a:t>18 significantly altered pathways (Z-score &gt; 1.96)</a:t>
             </a:r>
           </a:p>
           <a:p>
